--- a/Drills/drill1.pptx
+++ b/Drills/drill1.pptx
@@ -291,7 +291,7 @@
             <a:fld id="{1D8BD707-D9CF-40AE-B4C6-C98DA3205C09}" type="datetimeFigureOut">
               <a:rPr lang="en-US" smtClean="0"/>
               <a:pPr/>
-              <a:t>1/10/2019</a:t>
+              <a:t>1/13/2019</a:t>
             </a:fld>
             <a:endParaRPr lang="en-US"/>
           </a:p>
@@ -458,7 +458,7 @@
             <a:fld id="{1D8BD707-D9CF-40AE-B4C6-C98DA3205C09}" type="datetimeFigureOut">
               <a:rPr lang="en-US" smtClean="0"/>
               <a:pPr/>
-              <a:t>1/10/2019</a:t>
+              <a:t>1/13/2019</a:t>
             </a:fld>
             <a:endParaRPr lang="en-US"/>
           </a:p>
@@ -635,7 +635,7 @@
             <a:fld id="{1D8BD707-D9CF-40AE-B4C6-C98DA3205C09}" type="datetimeFigureOut">
               <a:rPr lang="en-US" smtClean="0"/>
               <a:pPr/>
-              <a:t>1/10/2019</a:t>
+              <a:t>1/13/2019</a:t>
             </a:fld>
             <a:endParaRPr lang="en-US"/>
           </a:p>
@@ -802,7 +802,7 @@
             <a:fld id="{1D8BD707-D9CF-40AE-B4C6-C98DA3205C09}" type="datetimeFigureOut">
               <a:rPr lang="en-US" smtClean="0"/>
               <a:pPr/>
-              <a:t>1/10/2019</a:t>
+              <a:t>1/13/2019</a:t>
             </a:fld>
             <a:endParaRPr lang="en-US"/>
           </a:p>
@@ -1045,7 +1045,7 @@
             <a:fld id="{1D8BD707-D9CF-40AE-B4C6-C98DA3205C09}" type="datetimeFigureOut">
               <a:rPr lang="en-US" smtClean="0"/>
               <a:pPr/>
-              <a:t>1/10/2019</a:t>
+              <a:t>1/13/2019</a:t>
             </a:fld>
             <a:endParaRPr lang="en-US"/>
           </a:p>
@@ -1330,7 +1330,7 @@
             <a:fld id="{1D8BD707-D9CF-40AE-B4C6-C98DA3205C09}" type="datetimeFigureOut">
               <a:rPr lang="en-US" smtClean="0"/>
               <a:pPr/>
-              <a:t>1/10/2019</a:t>
+              <a:t>1/13/2019</a:t>
             </a:fld>
             <a:endParaRPr lang="en-US"/>
           </a:p>
@@ -1749,7 +1749,7 @@
             <a:fld id="{1D8BD707-D9CF-40AE-B4C6-C98DA3205C09}" type="datetimeFigureOut">
               <a:rPr lang="en-US" smtClean="0"/>
               <a:pPr/>
-              <a:t>1/10/2019</a:t>
+              <a:t>1/13/2019</a:t>
             </a:fld>
             <a:endParaRPr lang="en-US"/>
           </a:p>
@@ -1864,7 +1864,7 @@
             <a:fld id="{1D8BD707-D9CF-40AE-B4C6-C98DA3205C09}" type="datetimeFigureOut">
               <a:rPr lang="en-US" smtClean="0"/>
               <a:pPr/>
-              <a:t>1/10/2019</a:t>
+              <a:t>1/13/2019</a:t>
             </a:fld>
             <a:endParaRPr lang="en-US"/>
           </a:p>
@@ -1956,7 +1956,7 @@
             <a:fld id="{1D8BD707-D9CF-40AE-B4C6-C98DA3205C09}" type="datetimeFigureOut">
               <a:rPr lang="en-US" smtClean="0"/>
               <a:pPr/>
-              <a:t>1/10/2019</a:t>
+              <a:t>1/13/2019</a:t>
             </a:fld>
             <a:endParaRPr lang="en-US"/>
           </a:p>
@@ -2230,7 +2230,7 @@
             <a:fld id="{1D8BD707-D9CF-40AE-B4C6-C98DA3205C09}" type="datetimeFigureOut">
               <a:rPr lang="en-US" smtClean="0"/>
               <a:pPr/>
-              <a:t>1/10/2019</a:t>
+              <a:t>1/13/2019</a:t>
             </a:fld>
             <a:endParaRPr lang="en-US"/>
           </a:p>
@@ -2480,7 +2480,7 @@
             <a:fld id="{1D8BD707-D9CF-40AE-B4C6-C98DA3205C09}" type="datetimeFigureOut">
               <a:rPr lang="en-US" smtClean="0"/>
               <a:pPr/>
-              <a:t>1/10/2019</a:t>
+              <a:t>1/13/2019</a:t>
             </a:fld>
             <a:endParaRPr lang="en-US"/>
           </a:p>
@@ -2690,7 +2690,7 @@
             <a:fld id="{1D8BD707-D9CF-40AE-B4C6-C98DA3205C09}" type="datetimeFigureOut">
               <a:rPr lang="en-US" smtClean="0"/>
               <a:pPr/>
-              <a:t>1/10/2019</a:t>
+              <a:t>1/13/2019</a:t>
             </a:fld>
             <a:endParaRPr lang="en-US"/>
           </a:p>
@@ -3208,142 +3208,167 @@
         </p:spPr>
         <p:txBody>
           <a:bodyPr>
-            <a:normAutofit fontScale="77500" lnSpcReduction="20000"/>
+            <a:normAutofit fontScale="70000" lnSpcReduction="20000"/>
           </a:bodyPr>
           <a:lstStyle/>
           <a:p>
-            <a:pPr>
+            <a:pPr marL="0" indent="0">
               <a:buNone/>
             </a:pPr>
             <a:r>
-              <a:rPr lang="en-US" dirty="0" err="1" smtClean="0"/>
+              <a:rPr lang="en-IN" dirty="0" err="1" smtClean="0"/>
               <a:t>int</a:t>
             </a:r>
             <a:r>
-              <a:rPr lang="en-US" dirty="0" smtClean="0"/>
-              <a:t> main()</a:t>
-            </a:r>
-          </a:p>
-          <a:p>
-            <a:pPr>
+              <a:rPr lang="en-IN" dirty="0" smtClean="0"/>
+              <a:t> main() </a:t>
+            </a:r>
+          </a:p>
+          <a:p>
+            <a:pPr marL="0" indent="0">
               <a:buNone/>
             </a:pPr>
             <a:r>
-              <a:rPr lang="en-US" dirty="0" smtClean="0"/>
+              <a:rPr lang="en-IN" dirty="0" smtClean="0"/>
               <a:t>{</a:t>
             </a:r>
           </a:p>
           <a:p>
-            <a:pPr>
+            <a:pPr marL="0" indent="0">
               <a:buNone/>
             </a:pPr>
             <a:r>
-              <a:rPr lang="en-US" dirty="0" smtClean="0"/>
-              <a:t>Student s1;</a:t>
-            </a:r>
-          </a:p>
-          <a:p>
-            <a:pPr>
+              <a:rPr lang="en-IN" dirty="0" smtClean="0"/>
+              <a:t>Passengers p;</a:t>
+            </a:r>
+          </a:p>
+          <a:p>
+            <a:pPr marL="0" indent="0">
               <a:buNone/>
             </a:pPr>
-            <a:endParaRPr lang="en-US" dirty="0" smtClean="0"/>
-          </a:p>
-          <a:p>
-            <a:pPr>
+            <a:endParaRPr lang="en-IN" dirty="0" smtClean="0"/>
+          </a:p>
+          <a:p>
+            <a:pPr marL="0" indent="0">
               <a:buNone/>
             </a:pPr>
             <a:r>
-              <a:rPr lang="en-US" dirty="0" err="1" smtClean="0"/>
-              <a:t>addrollno</a:t>
-            </a:r>
-            <a:r>
-              <a:rPr lang="en-US" dirty="0" smtClean="0"/>
-              <a:t>(s1);</a:t>
-            </a:r>
-          </a:p>
-          <a:p>
-            <a:pPr>
+              <a:rPr lang="en-IN" dirty="0" err="1" smtClean="0"/>
+              <a:t>bookhotel</a:t>
+            </a:r>
+            <a:r>
+              <a:rPr lang="en-IN" dirty="0" smtClean="0"/>
+              <a:t>(2,7);</a:t>
+            </a:r>
+          </a:p>
+          <a:p>
+            <a:pPr marL="0" indent="0">
               <a:buNone/>
             </a:pPr>
             <a:r>
-              <a:rPr lang="en-US" dirty="0" err="1" smtClean="0"/>
-              <a:t>addname</a:t>
-            </a:r>
-            <a:r>
-              <a:rPr lang="en-US" dirty="0" smtClean="0"/>
-              <a:t>(s1);</a:t>
-            </a:r>
-          </a:p>
-          <a:p>
-            <a:pPr>
+              <a:rPr lang="en-IN" dirty="0" err="1" smtClean="0"/>
+              <a:t>setdeparture</a:t>
+            </a:r>
+            <a:r>
+              <a:rPr lang="en-IN" dirty="0" smtClean="0"/>
+              <a:t>(p,flight1);</a:t>
+            </a:r>
+          </a:p>
+          <a:p>
+            <a:pPr marL="0" indent="0">
               <a:buNone/>
             </a:pPr>
             <a:r>
-              <a:rPr lang="en-US" dirty="0" err="1" smtClean="0"/>
-              <a:t>addsubjects</a:t>
-            </a:r>
-            <a:r>
-              <a:rPr lang="en-US" dirty="0" smtClean="0"/>
-              <a:t>(3);</a:t>
-            </a:r>
-          </a:p>
-          <a:p>
-            <a:pPr>
+              <a:rPr lang="en-IN" dirty="0" err="1" smtClean="0"/>
+              <a:t>setarrival</a:t>
+            </a:r>
+            <a:r>
+              <a:rPr lang="en-IN" dirty="0" smtClean="0"/>
+              <a:t>(p,flight1);</a:t>
+            </a:r>
+          </a:p>
+          <a:p>
+            <a:pPr marL="0" indent="0">
               <a:buNone/>
             </a:pPr>
             <a:r>
-              <a:rPr lang="en-US" dirty="0" err="1" smtClean="0"/>
-              <a:t>addmarks</a:t>
-            </a:r>
-            <a:r>
-              <a:rPr lang="en-US" dirty="0" smtClean="0"/>
-              <a:t>(sub1, sub2, sub3);</a:t>
-            </a:r>
-          </a:p>
-          <a:p>
-            <a:pPr>
+              <a:rPr lang="en-IN" dirty="0" smtClean="0"/>
+              <a:t>stay(hotel);</a:t>
+            </a:r>
+          </a:p>
+          <a:p>
+            <a:pPr marL="0" indent="0">
               <a:buNone/>
             </a:pPr>
             <a:r>
-              <a:rPr lang="en-US" dirty="0" smtClean="0"/>
-              <a:t>grade(subjects);</a:t>
-            </a:r>
-          </a:p>
-          <a:p>
-            <a:pPr>
+              <a:rPr lang="en-IN" dirty="0" err="1" smtClean="0"/>
+              <a:t>visitd</a:t>
+            </a:r>
+            <a:r>
+              <a:rPr lang="en-IN" dirty="0" smtClean="0"/>
+              <a:t>(d1,d2);</a:t>
+            </a:r>
+          </a:p>
+          <a:p>
+            <a:pPr marL="0" indent="0">
               <a:buNone/>
             </a:pPr>
             <a:r>
-              <a:rPr lang="en-US" dirty="0" smtClean="0"/>
+              <a:rPr lang="en-IN" dirty="0" err="1" smtClean="0"/>
+              <a:t>setdeparture</a:t>
+            </a:r>
+            <a:r>
+              <a:rPr lang="en-IN" dirty="0" smtClean="0"/>
+              <a:t>(p,flight2);</a:t>
+            </a:r>
+          </a:p>
+          <a:p>
+            <a:pPr marL="0" indent="0">
+              <a:buNone/>
+            </a:pPr>
+            <a:r>
+              <a:rPr lang="en-IN" dirty="0" err="1" smtClean="0"/>
+              <a:t>setarrival</a:t>
+            </a:r>
+            <a:r>
+              <a:rPr lang="en-IN" dirty="0" smtClean="0"/>
+              <a:t>(p,flight2);</a:t>
+            </a:r>
+          </a:p>
+          <a:p>
+            <a:pPr marL="0" indent="0">
+              <a:buNone/>
+            </a:pPr>
+            <a:r>
+              <a:rPr lang="en-IN" dirty="0" smtClean="0"/>
               <a:t>std::</a:t>
             </a:r>
             <a:r>
-              <a:rPr lang="en-US" dirty="0" err="1" smtClean="0"/>
+              <a:rPr lang="en-IN" dirty="0" err="1" smtClean="0"/>
               <a:t>cout</a:t>
             </a:r>
             <a:r>
-              <a:rPr lang="en-US" dirty="0" smtClean="0"/>
-              <a:t>&lt;&lt;“report card is ready”;</a:t>
-            </a:r>
-          </a:p>
-          <a:p>
-            <a:pPr>
+              <a:rPr lang="en-IN" dirty="0" smtClean="0"/>
+              <a:t>&lt;&lt;“vacation planned”;</a:t>
+            </a:r>
+          </a:p>
+          <a:p>
+            <a:pPr marL="0" indent="0">
               <a:buNone/>
             </a:pPr>
             <a:r>
-              <a:rPr lang="en-US" dirty="0" smtClean="0"/>
-              <a:t>return 0;</a:t>
-            </a:r>
-          </a:p>
-          <a:p>
-            <a:pPr>
+              <a:rPr lang="en-IN" dirty="0" smtClean="0"/>
+              <a:t>return  0; </a:t>
+            </a:r>
+          </a:p>
+          <a:p>
+            <a:pPr marL="0" indent="0">
               <a:buNone/>
             </a:pPr>
             <a:r>
-              <a:rPr lang="en-US" dirty="0" smtClean="0"/>
+              <a:rPr lang="en-IN" dirty="0" smtClean="0"/>
               <a:t>}</a:t>
             </a:r>
-            <a:endParaRPr lang="en-US" dirty="0"/>
           </a:p>
         </p:txBody>
       </p:sp>
@@ -3413,160 +3438,191 @@
         </p:spPr>
         <p:txBody>
           <a:bodyPr>
-            <a:normAutofit fontScale="70000" lnSpcReduction="20000"/>
+            <a:normAutofit fontScale="55000" lnSpcReduction="20000"/>
           </a:bodyPr>
           <a:lstStyle/>
           <a:p>
-            <a:pPr>
+            <a:pPr marL="0" indent="0">
               <a:buNone/>
             </a:pPr>
             <a:r>
-              <a:rPr lang="en-US" dirty="0" err="1" smtClean="0"/>
+              <a:rPr lang="en-IN" dirty="0" err="1" smtClean="0"/>
               <a:t>int</a:t>
             </a:r>
             <a:r>
-              <a:rPr lang="en-US" dirty="0" smtClean="0"/>
+              <a:rPr lang="en-IN" dirty="0" smtClean="0"/>
               <a:t> main() </a:t>
             </a:r>
           </a:p>
           <a:p>
-            <a:pPr>
+            <a:pPr marL="0" indent="0">
               <a:buNone/>
             </a:pPr>
             <a:r>
-              <a:rPr lang="en-US" dirty="0" smtClean="0"/>
+              <a:rPr lang="en-IN" dirty="0" smtClean="0"/>
               <a:t>{</a:t>
             </a:r>
           </a:p>
           <a:p>
-            <a:pPr>
+            <a:pPr marL="0" indent="0">
               <a:buNone/>
             </a:pPr>
             <a:r>
-              <a:rPr lang="en-US" dirty="0" smtClean="0"/>
-              <a:t>Student s1;</a:t>
-            </a:r>
-          </a:p>
-          <a:p>
-            <a:pPr>
+              <a:rPr lang="en-IN" dirty="0" smtClean="0"/>
+              <a:t>Passengers p;</a:t>
+            </a:r>
+          </a:p>
+          <a:p>
+            <a:pPr marL="0" indent="0">
               <a:buNone/>
             </a:pPr>
             <a:r>
-              <a:rPr lang="en-US" dirty="0" smtClean="0"/>
-              <a:t>Subject sub(3);</a:t>
-            </a:r>
-          </a:p>
-          <a:p>
-            <a:pPr>
+              <a:rPr lang="en-IN" dirty="0" smtClean="0"/>
+              <a:t>Destination d1, d2;</a:t>
+            </a:r>
+          </a:p>
+          <a:p>
+            <a:pPr marL="0" indent="0">
               <a:buNone/>
             </a:pPr>
             <a:r>
-              <a:rPr lang="en-US" dirty="0" smtClean="0"/>
-              <a:t>Result </a:t>
-            </a:r>
-            <a:r>
-              <a:rPr lang="en-US" dirty="0" err="1" smtClean="0"/>
-              <a:t>result</a:t>
-            </a:r>
-            <a:r>
-              <a:rPr lang="en-US" dirty="0" smtClean="0"/>
+              <a:rPr lang="en-IN" dirty="0" smtClean="0"/>
+              <a:t>Flights f1, f2;</a:t>
+            </a:r>
+          </a:p>
+          <a:p>
+            <a:pPr marL="0" indent="0">
+              <a:buNone/>
+            </a:pPr>
+            <a:r>
+              <a:rPr lang="en-IN" dirty="0" smtClean="0"/>
+              <a:t>Hotel </a:t>
+            </a:r>
+            <a:r>
+              <a:rPr lang="en-IN" dirty="0" err="1" smtClean="0"/>
+              <a:t>hotel</a:t>
+            </a:r>
+            <a:r>
+              <a:rPr lang="en-IN" dirty="0" smtClean="0"/>
               <a:t>;</a:t>
             </a:r>
           </a:p>
           <a:p>
-            <a:pPr>
+            <a:pPr marL="0" indent="0">
               <a:buNone/>
             </a:pPr>
-            <a:endParaRPr lang="en-US" dirty="0" smtClean="0"/>
-          </a:p>
-          <a:p>
-            <a:pPr>
+            <a:endParaRPr lang="en-IN" dirty="0" smtClean="0"/>
+          </a:p>
+          <a:p>
+            <a:pPr marL="0" indent="0">
               <a:buNone/>
             </a:pPr>
             <a:r>
-              <a:rPr lang="en-US" dirty="0" smtClean="0"/>
-              <a:t>s1.rollno();</a:t>
-            </a:r>
-          </a:p>
-          <a:p>
-            <a:pPr>
+              <a:rPr lang="en-IN" dirty="0" err="1" smtClean="0"/>
+              <a:t>hotel.book</a:t>
+            </a:r>
+            <a:r>
+              <a:rPr lang="en-IN" dirty="0" smtClean="0"/>
+              <a:t>(2,7);</a:t>
+            </a:r>
+          </a:p>
+          <a:p>
+            <a:pPr marL="0" indent="0">
               <a:buNone/>
             </a:pPr>
             <a:r>
-              <a:rPr lang="en-US" dirty="0" smtClean="0"/>
-              <a:t>s1.name();</a:t>
-            </a:r>
-          </a:p>
-          <a:p>
-            <a:pPr>
+              <a:rPr lang="en-IN" dirty="0" smtClean="0"/>
+              <a:t>f1.setdeparture();</a:t>
+            </a:r>
+          </a:p>
+          <a:p>
+            <a:pPr marL="0" indent="0">
               <a:buNone/>
             </a:pPr>
             <a:r>
-              <a:rPr lang="en-US" dirty="0" smtClean="0"/>
-              <a:t>s1.subjects();</a:t>
-            </a:r>
-          </a:p>
-          <a:p>
-            <a:pPr>
+              <a:rPr lang="en-IN" dirty="0" smtClean="0"/>
+              <a:t>f1.setarrival();</a:t>
+            </a:r>
+          </a:p>
+          <a:p>
+            <a:pPr marL="0" indent="0">
               <a:buNone/>
             </a:pPr>
             <a:r>
-              <a:rPr lang="en-US" dirty="0" err="1" smtClean="0"/>
-              <a:t>sub.marks</a:t>
-            </a:r>
-            <a:r>
-              <a:rPr lang="en-US" dirty="0" smtClean="0"/>
-              <a:t>(sub1, sub2, sub3);</a:t>
-            </a:r>
-          </a:p>
-          <a:p>
-            <a:pPr>
+              <a:rPr lang="en-IN" dirty="0" err="1" smtClean="0"/>
+              <a:t>hotel.stay</a:t>
+            </a:r>
+            <a:r>
+              <a:rPr lang="en-IN" dirty="0" smtClean="0"/>
+              <a:t>();</a:t>
+            </a:r>
+          </a:p>
+          <a:p>
+            <a:pPr marL="0" indent="0">
               <a:buNone/>
             </a:pPr>
             <a:r>
-              <a:rPr lang="en-US" dirty="0" err="1" smtClean="0"/>
-              <a:t>result.grade</a:t>
-            </a:r>
-            <a:r>
-              <a:rPr lang="en-US" dirty="0" smtClean="0"/>
-              <a:t>(sub)</a:t>
-            </a:r>
-          </a:p>
-          <a:p>
-            <a:pPr>
+              <a:rPr lang="en-IN" dirty="0" err="1" smtClean="0"/>
+              <a:t>p.visit</a:t>
+            </a:r>
+            <a:r>
+              <a:rPr lang="en-IN" dirty="0" smtClean="0"/>
+              <a:t>(d1, d2);</a:t>
+            </a:r>
+          </a:p>
+          <a:p>
+            <a:pPr marL="0" indent="0">
               <a:buNone/>
             </a:pPr>
             <a:r>
-              <a:rPr lang="en-US" dirty="0" smtClean="0"/>
+              <a:rPr lang="en-IN" dirty="0" smtClean="0"/>
+              <a:t>f2.setdeparture();</a:t>
+            </a:r>
+          </a:p>
+          <a:p>
+            <a:pPr marL="0" indent="0">
+              <a:buNone/>
+            </a:pPr>
+            <a:r>
+              <a:rPr lang="en-IN" dirty="0" smtClean="0"/>
+              <a:t>f2.setarrival();</a:t>
+            </a:r>
+          </a:p>
+          <a:p>
+            <a:pPr marL="0" indent="0">
+              <a:buNone/>
+            </a:pPr>
+            <a:r>
+              <a:rPr lang="en-IN" dirty="0" smtClean="0"/>
               <a:t>std::</a:t>
             </a:r>
             <a:r>
-              <a:rPr lang="en-US" dirty="0" err="1" smtClean="0"/>
+              <a:rPr lang="en-IN" dirty="0" err="1" smtClean="0"/>
               <a:t>cout</a:t>
             </a:r>
             <a:r>
-              <a:rPr lang="en-US" dirty="0" smtClean="0"/>
-              <a:t>&lt;&lt;“ report card is ready”;</a:t>
-            </a:r>
-          </a:p>
-          <a:p>
-            <a:pPr>
+              <a:rPr lang="en-IN" dirty="0" smtClean="0"/>
+              <a:t>&lt;&lt;“vacation planned”;</a:t>
+            </a:r>
+          </a:p>
+          <a:p>
+            <a:pPr marL="0" indent="0">
               <a:buNone/>
             </a:pPr>
             <a:r>
-              <a:rPr lang="en-US" dirty="0" smtClean="0"/>
-              <a:t>return 0; </a:t>
-            </a:r>
-          </a:p>
-          <a:p>
-            <a:pPr>
+              <a:rPr lang="en-IN" dirty="0" smtClean="0"/>
+              <a:t>return  0; </a:t>
+            </a:r>
+          </a:p>
+          <a:p>
+            <a:pPr marL="0" indent="0">
               <a:buNone/>
             </a:pPr>
             <a:r>
-              <a:rPr lang="en-US" dirty="0" smtClean="0"/>
-              <a:t>} </a:t>
-            </a:r>
-            <a:endParaRPr lang="en-US" dirty="0"/>
+              <a:rPr lang="en-IN" smtClean="0"/>
+              <a:t>}</a:t>
+            </a:r>
+            <a:endParaRPr lang="en-IN" dirty="0"/>
           </a:p>
         </p:txBody>
       </p:sp>

--- a/Drills/drill1.pptx
+++ b/Drills/drill1.pptx
@@ -291,7 +291,7 @@
             <a:fld id="{1D8BD707-D9CF-40AE-B4C6-C98DA3205C09}" type="datetimeFigureOut">
               <a:rPr lang="en-US" smtClean="0"/>
               <a:pPr/>
-              <a:t>1/13/2019</a:t>
+              <a:t>1/18/2019</a:t>
             </a:fld>
             <a:endParaRPr lang="en-US"/>
           </a:p>
@@ -458,7 +458,7 @@
             <a:fld id="{1D8BD707-D9CF-40AE-B4C6-C98DA3205C09}" type="datetimeFigureOut">
               <a:rPr lang="en-US" smtClean="0"/>
               <a:pPr/>
-              <a:t>1/13/2019</a:t>
+              <a:t>1/18/2019</a:t>
             </a:fld>
             <a:endParaRPr lang="en-US"/>
           </a:p>
@@ -635,7 +635,7 @@
             <a:fld id="{1D8BD707-D9CF-40AE-B4C6-C98DA3205C09}" type="datetimeFigureOut">
               <a:rPr lang="en-US" smtClean="0"/>
               <a:pPr/>
-              <a:t>1/13/2019</a:t>
+              <a:t>1/18/2019</a:t>
             </a:fld>
             <a:endParaRPr lang="en-US"/>
           </a:p>
@@ -802,7 +802,7 @@
             <a:fld id="{1D8BD707-D9CF-40AE-B4C6-C98DA3205C09}" type="datetimeFigureOut">
               <a:rPr lang="en-US" smtClean="0"/>
               <a:pPr/>
-              <a:t>1/13/2019</a:t>
+              <a:t>1/18/2019</a:t>
             </a:fld>
             <a:endParaRPr lang="en-US"/>
           </a:p>
@@ -1045,7 +1045,7 @@
             <a:fld id="{1D8BD707-D9CF-40AE-B4C6-C98DA3205C09}" type="datetimeFigureOut">
               <a:rPr lang="en-US" smtClean="0"/>
               <a:pPr/>
-              <a:t>1/13/2019</a:t>
+              <a:t>1/18/2019</a:t>
             </a:fld>
             <a:endParaRPr lang="en-US"/>
           </a:p>
@@ -1330,7 +1330,7 @@
             <a:fld id="{1D8BD707-D9CF-40AE-B4C6-C98DA3205C09}" type="datetimeFigureOut">
               <a:rPr lang="en-US" smtClean="0"/>
               <a:pPr/>
-              <a:t>1/13/2019</a:t>
+              <a:t>1/18/2019</a:t>
             </a:fld>
             <a:endParaRPr lang="en-US"/>
           </a:p>
@@ -1749,7 +1749,7 @@
             <a:fld id="{1D8BD707-D9CF-40AE-B4C6-C98DA3205C09}" type="datetimeFigureOut">
               <a:rPr lang="en-US" smtClean="0"/>
               <a:pPr/>
-              <a:t>1/13/2019</a:t>
+              <a:t>1/18/2019</a:t>
             </a:fld>
             <a:endParaRPr lang="en-US"/>
           </a:p>
@@ -1864,7 +1864,7 @@
             <a:fld id="{1D8BD707-D9CF-40AE-B4C6-C98DA3205C09}" type="datetimeFigureOut">
               <a:rPr lang="en-US" smtClean="0"/>
               <a:pPr/>
-              <a:t>1/13/2019</a:t>
+              <a:t>1/18/2019</a:t>
             </a:fld>
             <a:endParaRPr lang="en-US"/>
           </a:p>
@@ -1956,7 +1956,7 @@
             <a:fld id="{1D8BD707-D9CF-40AE-B4C6-C98DA3205C09}" type="datetimeFigureOut">
               <a:rPr lang="en-US" smtClean="0"/>
               <a:pPr/>
-              <a:t>1/13/2019</a:t>
+              <a:t>1/18/2019</a:t>
             </a:fld>
             <a:endParaRPr lang="en-US"/>
           </a:p>
@@ -2230,7 +2230,7 @@
             <a:fld id="{1D8BD707-D9CF-40AE-B4C6-C98DA3205C09}" type="datetimeFigureOut">
               <a:rPr lang="en-US" smtClean="0"/>
               <a:pPr/>
-              <a:t>1/13/2019</a:t>
+              <a:t>1/18/2019</a:t>
             </a:fld>
             <a:endParaRPr lang="en-US"/>
           </a:p>
@@ -2480,7 +2480,7 @@
             <a:fld id="{1D8BD707-D9CF-40AE-B4C6-C98DA3205C09}" type="datetimeFigureOut">
               <a:rPr lang="en-US" smtClean="0"/>
               <a:pPr/>
-              <a:t>1/13/2019</a:t>
+              <a:t>1/18/2019</a:t>
             </a:fld>
             <a:endParaRPr lang="en-US"/>
           </a:p>
@@ -2690,7 +2690,7 @@
             <a:fld id="{1D8BD707-D9CF-40AE-B4C6-C98DA3205C09}" type="datetimeFigureOut">
               <a:rPr lang="en-US" smtClean="0"/>
               <a:pPr/>
-              <a:t>1/13/2019</a:t>
+              <a:t>1/18/2019</a:t>
             </a:fld>
             <a:endParaRPr lang="en-US"/>
           </a:p>
